--- a/docs/docs.pptx
+++ b/docs/docs.pptx
@@ -104,6 +104,11 @@
       </a:defRPr>
     </a:lvl9pPr>
   </p:defaultTextStyle>
+  <p:extLst>
+    <p:ext uri="{EFAFB233-063F-42B5-8137-9DF3F51BA10A}">
+      <p15:sldGuideLst xmlns:p15="http://schemas.microsoft.com/office/powerpoint/2012/main"/>
+    </p:ext>
+  </p:extLst>
 </p:presentation>
 </file>
 
@@ -4182,6 +4187,47 @@
               <a:latin typeface="Consolas" panose="020B0609020204030204" pitchFamily="49" charset="0"/>
             </a:endParaRPr>
           </a:p>
+          <a:p>
+            <a:pPr marL="57150" lvl="1" indent="-57150" algn="l" defTabSz="400050">
+              <a:lnSpc>
+                <a:spcPct val="90000"/>
+              </a:lnSpc>
+              <a:spcBef>
+                <a:spcPct val="0"/>
+              </a:spcBef>
+              <a:spcAft>
+                <a:spcPct val="15000"/>
+              </a:spcAft>
+              <a:buChar char="•"/>
+            </a:pPr>
+            <a:r>
+              <a:rPr lang="en-US" dirty="0">
+                <a:latin typeface="Consolas" panose="020B0609020204030204" pitchFamily="49" charset="0"/>
+              </a:rPr>
+              <a:t>::</a:t>
+            </a:r>
+            <a:r>
+              <a:rPr lang="en-US" dirty="0" err="1">
+                <a:latin typeface="Consolas" panose="020B0609020204030204" pitchFamily="49" charset="0"/>
+              </a:rPr>
+              <a:t>setWeight</a:t>
+            </a:r>
+            <a:r>
+              <a:rPr lang="en-US" dirty="0">
+                <a:latin typeface="Consolas" panose="020B0609020204030204" pitchFamily="49" charset="0"/>
+              </a:rPr>
+              <a:t>(double weight): </a:t>
+            </a:r>
+            <a:r>
+              <a:rPr lang="en-US" dirty="0" err="1">
+                <a:latin typeface="Consolas" panose="020B0609020204030204" pitchFamily="49" charset="0"/>
+              </a:rPr>
+              <a:t>SummonInfo</a:t>
+            </a:r>
+            <a:endParaRPr lang="en-US" kern="1200" dirty="0">
+              <a:latin typeface="Consolas" panose="020B0609020204030204" pitchFamily="49" charset="0"/>
+            </a:endParaRPr>
+          </a:p>
         </p:txBody>
       </p:sp>
       <p:sp>
